--- a/TeamGalileiDatabaseTeamworkPresentation.pptx
+++ b/TeamGalileiDatabaseTeamworkPresentation.pptx
@@ -114,6 +114,22 @@
       </a:defRPr>
     </a:lvl9pPr>
   </p:defaultTextStyle>
+  <p:extLst>
+    <p:ext uri="{EFAFB233-063F-42B5-8137-9DF3F51BA10A}">
+      <p15:sldGuideLst xmlns:p15="http://schemas.microsoft.com/office/powerpoint/2012/main">
+        <p15:guide id="1" orient="horz" pos="2160">
+          <p15:clr>
+            <a:srgbClr val="A4A3A4"/>
+          </p15:clr>
+        </p15:guide>
+        <p15:guide id="2" pos="2880">
+          <p15:clr>
+            <a:srgbClr val="A4A3A4"/>
+          </p15:clr>
+        </p15:guide>
+      </p15:sldGuideLst>
+    </p:ext>
+  </p:extLst>
 </p:presentation>
 </file>
 
@@ -304,7 +320,7 @@
           <a:p>
             <a:fld id="{4C9A7DAB-7682-440F-88E8-C05EFDFABAB4}" type="datetimeFigureOut">
               <a:rPr lang="bg-BG" smtClean="0"/>
-              <a:t>22.3.2015 г.</a:t>
+              <a:t>23.3.2015 г.</a:t>
             </a:fld>
             <a:endParaRPr lang="bg-BG"/>
           </a:p>
@@ -474,7 +490,7 @@
           <a:p>
             <a:fld id="{4C9A7DAB-7682-440F-88E8-C05EFDFABAB4}" type="datetimeFigureOut">
               <a:rPr lang="bg-BG" smtClean="0"/>
-              <a:t>22.3.2015 г.</a:t>
+              <a:t>23.3.2015 г.</a:t>
             </a:fld>
             <a:endParaRPr lang="bg-BG"/>
           </a:p>
@@ -649,7 +665,7 @@
           <a:p>
             <a:fld id="{4C9A7DAB-7682-440F-88E8-C05EFDFABAB4}" type="datetimeFigureOut">
               <a:rPr lang="bg-BG" smtClean="0"/>
-              <a:t>22.3.2015 г.</a:t>
+              <a:t>23.3.2015 г.</a:t>
             </a:fld>
             <a:endParaRPr lang="bg-BG"/>
           </a:p>
@@ -851,7 +867,7 @@
           <a:p>
             <a:fld id="{4C9A7DAB-7682-440F-88E8-C05EFDFABAB4}" type="datetimeFigureOut">
               <a:rPr lang="bg-BG" smtClean="0"/>
-              <a:t>22.3.2015 г.</a:t>
+              <a:t>23.3.2015 г.</a:t>
             </a:fld>
             <a:endParaRPr lang="bg-BG"/>
           </a:p>
@@ -1094,7 +1110,7 @@
           <a:p>
             <a:fld id="{4C9A7DAB-7682-440F-88E8-C05EFDFABAB4}" type="datetimeFigureOut">
               <a:rPr lang="bg-BG" smtClean="0"/>
-              <a:t>22.3.2015 г.</a:t>
+              <a:t>23.3.2015 г.</a:t>
             </a:fld>
             <a:endParaRPr lang="bg-BG"/>
           </a:p>
@@ -1404,7 +1420,7 @@
           <a:p>
             <a:fld id="{4C9A7DAB-7682-440F-88E8-C05EFDFABAB4}" type="datetimeFigureOut">
               <a:rPr lang="bg-BG" smtClean="0"/>
-              <a:t>22.3.2015 г.</a:t>
+              <a:t>23.3.2015 г.</a:t>
             </a:fld>
             <a:endParaRPr lang="bg-BG"/>
           </a:p>
@@ -1847,7 +1863,7 @@
           <a:p>
             <a:fld id="{4C9A7DAB-7682-440F-88E8-C05EFDFABAB4}" type="datetimeFigureOut">
               <a:rPr lang="bg-BG" smtClean="0"/>
-              <a:t>22.3.2015 г.</a:t>
+              <a:t>23.3.2015 г.</a:t>
             </a:fld>
             <a:endParaRPr lang="bg-BG"/>
           </a:p>
@@ -1960,7 +1976,7 @@
           <a:p>
             <a:fld id="{4C9A7DAB-7682-440F-88E8-C05EFDFABAB4}" type="datetimeFigureOut">
               <a:rPr lang="bg-BG" smtClean="0"/>
-              <a:t>22.3.2015 г.</a:t>
+              <a:t>23.3.2015 г.</a:t>
             </a:fld>
             <a:endParaRPr lang="bg-BG"/>
           </a:p>
@@ -2050,7 +2066,7 @@
           <a:p>
             <a:fld id="{4C9A7DAB-7682-440F-88E8-C05EFDFABAB4}" type="datetimeFigureOut">
               <a:rPr lang="bg-BG" smtClean="0"/>
-              <a:t>22.3.2015 г.</a:t>
+              <a:t>23.3.2015 г.</a:t>
             </a:fld>
             <a:endParaRPr lang="bg-BG"/>
           </a:p>
@@ -2335,7 +2351,7 @@
           <a:p>
             <a:fld id="{4C9A7DAB-7682-440F-88E8-C05EFDFABAB4}" type="datetimeFigureOut">
               <a:rPr lang="bg-BG" smtClean="0"/>
-              <a:t>22.3.2015 г.</a:t>
+              <a:t>23.3.2015 г.</a:t>
             </a:fld>
             <a:endParaRPr lang="bg-BG"/>
           </a:p>
@@ -2526,7 +2542,7 @@
           <a:p>
             <a:fld id="{4C9A7DAB-7682-440F-88E8-C05EFDFABAB4}" type="datetimeFigureOut">
               <a:rPr lang="bg-BG" smtClean="0"/>
-              <a:t>22.3.2015 г.</a:t>
+              <a:t>23.3.2015 г.</a:t>
             </a:fld>
             <a:endParaRPr lang="bg-BG"/>
           </a:p>
@@ -23026,7 +23042,7 @@
           <a:p>
             <a:fld id="{4C9A7DAB-7682-440F-88E8-C05EFDFABAB4}" type="datetimeFigureOut">
               <a:rPr lang="bg-BG" smtClean="0"/>
-              <a:t>22.3.2015 г.</a:t>
+              <a:t>23.3.2015 г.</a:t>
             </a:fld>
             <a:endParaRPr lang="bg-BG"/>
           </a:p>
@@ -23545,12 +23561,27 @@
             <p:ph type="subTitle" idx="1"/>
           </p:nvPr>
         </p:nvSpPr>
-        <p:spPr/>
+        <p:spPr>
+          <a:xfrm>
+            <a:off x="3779912" y="3544884"/>
+            <a:ext cx="5146734" cy="861420"/>
+          </a:xfrm>
+        </p:spPr>
         <p:txBody>
-          <a:bodyPr/>
+          <a:bodyPr>
+            <a:normAutofit/>
+          </a:bodyPr>
           <a:lstStyle/>
           <a:p>
-            <a:endParaRPr lang="bg-BG" dirty="0"/>
+            <a:r>
+              <a:rPr lang="en-US" sz="2800" dirty="0" smtClean="0">
+                <a:latin typeface="Arial Narrow" panose="020B0606020202030204" pitchFamily="34" charset="0"/>
+              </a:rPr>
+              <a:t>Database Apps Teamwork Project</a:t>
+            </a:r>
+            <a:endParaRPr lang="bg-BG" sz="2800" dirty="0">
+              <a:latin typeface="Arial Narrow" panose="020B0606020202030204" pitchFamily="34" charset="0"/>
+            </a:endParaRPr>
           </a:p>
         </p:txBody>
       </p:sp>
@@ -23876,12 +23907,12 @@
               <a:t>Свързване с </a:t>
             </a:r>
             <a:r>
-              <a:rPr lang="en-US" dirty="0" err="1" smtClean="0">
+              <a:rPr lang="en-US" dirty="0" smtClean="0">
                 <a:solidFill>
                   <a:schemeClr val="tx1"/>
                 </a:solidFill>
               </a:rPr>
-              <a:t>Sqlite</a:t>
+              <a:t>SQLite</a:t>
             </a:r>
             <a:endParaRPr lang="bg-BG" dirty="0">
               <a:solidFill>
@@ -24003,28 +24034,6 @@
               <a:t>Задача 1</a:t>
             </a:r>
             <a:endParaRPr lang="bg-BG" dirty="0"/>
-          </a:p>
-        </p:txBody>
-      </p:sp>
-      <p:sp>
-        <p:nvSpPr>
-          <p:cNvPr id="3" name="Content Placeholder 2"/>
-          <p:cNvSpPr>
-            <a:spLocks noGrp="1"/>
-          </p:cNvSpPr>
-          <p:nvPr>
-            <p:ph idx="1"/>
-          </p:nvPr>
-        </p:nvSpPr>
-        <p:spPr/>
-        <p:txBody>
-          <a:bodyPr/>
-          <a:lstStyle/>
-          <a:p>
-            <a:pPr marL="0" indent="0">
-              <a:buNone/>
-            </a:pPr>
-            <a:endParaRPr lang="bg-BG" dirty="0" smtClean="0"/>
           </a:p>
         </p:txBody>
       </p:sp>
@@ -24206,25 +24215,6 @@
               <a:t>Задача 2 </a:t>
             </a:r>
             <a:endParaRPr lang="bg-BG" dirty="0"/>
-          </a:p>
-        </p:txBody>
-      </p:sp>
-      <p:sp>
-        <p:nvSpPr>
-          <p:cNvPr id="3" name="Content Placeholder 2"/>
-          <p:cNvSpPr>
-            <a:spLocks noGrp="1"/>
-          </p:cNvSpPr>
-          <p:nvPr>
-            <p:ph idx="1"/>
-          </p:nvPr>
-        </p:nvSpPr>
-        <p:spPr/>
-        <p:txBody>
-          <a:bodyPr/>
-          <a:lstStyle/>
-          <a:p>
-            <a:endParaRPr lang="bg-BG"/>
           </a:p>
         </p:txBody>
       </p:sp>
@@ -24646,25 +24636,6 @@
       </p:sp>
       <p:sp>
         <p:nvSpPr>
-          <p:cNvPr id="3" name="Content Placeholder 2"/>
-          <p:cNvSpPr>
-            <a:spLocks noGrp="1"/>
-          </p:cNvSpPr>
-          <p:nvPr>
-            <p:ph idx="1"/>
-          </p:nvPr>
-        </p:nvSpPr>
-        <p:spPr/>
-        <p:txBody>
-          <a:bodyPr/>
-          <a:lstStyle/>
-          <a:p>
-            <a:endParaRPr lang="bg-BG"/>
-          </a:p>
-        </p:txBody>
-      </p:sp>
-      <p:sp>
-        <p:nvSpPr>
           <p:cNvPr id="4" name="Text Placeholder 3"/>
           <p:cNvSpPr>
             <a:spLocks noGrp="1"/>
@@ -24721,16 +24692,16 @@
               <a:t>Генериране на </a:t>
             </a:r>
             <a:r>
-              <a:rPr lang="en-US" sz="1400" dirty="0" err="1" smtClean="0"/>
-              <a:t>pdf</a:t>
-            </a:r>
-            <a:r>
               <a:rPr lang="en-US" sz="1400" dirty="0" smtClean="0"/>
-              <a:t> </a:t>
+              <a:t>PDF </a:t>
             </a:r>
             <a:r>
               <a:rPr lang="bg-BG" sz="1400" dirty="0" smtClean="0"/>
-              <a:t>файл с използване на поток към файлове</a:t>
+              <a:t>файл </a:t>
+            </a:r>
+            <a:r>
+              <a:rPr lang="bg-BG" sz="1400" dirty="0" smtClean="0"/>
+              <a:t>с използване на поток към файлове</a:t>
             </a:r>
             <a:endParaRPr lang="bg-BG" sz="1400" dirty="0"/>
           </a:p>
@@ -24921,25 +24892,6 @@
               <a:t>Задача 4</a:t>
             </a:r>
             <a:endParaRPr lang="bg-BG" dirty="0"/>
-          </a:p>
-        </p:txBody>
-      </p:sp>
-      <p:sp>
-        <p:nvSpPr>
-          <p:cNvPr id="3" name="Content Placeholder 2"/>
-          <p:cNvSpPr>
-            <a:spLocks noGrp="1"/>
-          </p:cNvSpPr>
-          <p:nvPr>
-            <p:ph idx="1"/>
-          </p:nvPr>
-        </p:nvSpPr>
-        <p:spPr/>
-        <p:txBody>
-          <a:bodyPr/>
-          <a:lstStyle/>
-          <a:p>
-            <a:endParaRPr lang="bg-BG"/>
           </a:p>
         </p:txBody>
       </p:sp>
@@ -25200,25 +25152,6 @@
               <a:t>Задача 5</a:t>
             </a:r>
             <a:endParaRPr lang="bg-BG" dirty="0"/>
-          </a:p>
-        </p:txBody>
-      </p:sp>
-      <p:sp>
-        <p:nvSpPr>
-          <p:cNvPr id="3" name="Content Placeholder 2"/>
-          <p:cNvSpPr>
-            <a:spLocks noGrp="1"/>
-          </p:cNvSpPr>
-          <p:nvPr>
-            <p:ph idx="1"/>
-          </p:nvPr>
-        </p:nvSpPr>
-        <p:spPr/>
-        <p:txBody>
-          <a:bodyPr/>
-          <a:lstStyle/>
-          <a:p>
-            <a:endParaRPr lang="bg-BG"/>
           </a:p>
         </p:txBody>
       </p:sp>
@@ -25687,25 +25620,6 @@
       </p:sp>
       <p:sp>
         <p:nvSpPr>
-          <p:cNvPr id="3" name="Content Placeholder 2"/>
-          <p:cNvSpPr>
-            <a:spLocks noGrp="1"/>
-          </p:cNvSpPr>
-          <p:nvPr>
-            <p:ph idx="1"/>
-          </p:nvPr>
-        </p:nvSpPr>
-        <p:spPr/>
-        <p:txBody>
-          <a:bodyPr/>
-          <a:lstStyle/>
-          <a:p>
-            <a:endParaRPr lang="bg-BG" dirty="0"/>
-          </a:p>
-        </p:txBody>
-      </p:sp>
-      <p:sp>
-        <p:nvSpPr>
           <p:cNvPr id="4" name="Text Placeholder 3"/>
           <p:cNvSpPr>
             <a:spLocks noGrp="1"/>
@@ -25725,12 +25639,13 @@
             </a:r>
             <a:r>
               <a:rPr lang="en-US" dirty="0" smtClean="0"/>
-              <a:t>xml </a:t>
+              <a:t>XML </a:t>
             </a:r>
             <a:r>
               <a:rPr lang="bg-BG" dirty="0" smtClean="0"/>
               <a:t>файл </a:t>
             </a:r>
+            <a:endParaRPr lang="bg-BG" dirty="0" smtClean="0"/>
           </a:p>
           <a:p>
             <a:endParaRPr lang="bg-BG" dirty="0"/>
@@ -25945,25 +25860,6 @@
       </p:sp>
       <p:sp>
         <p:nvSpPr>
-          <p:cNvPr id="3" name="Content Placeholder 2"/>
-          <p:cNvSpPr>
-            <a:spLocks noGrp="1"/>
-          </p:cNvSpPr>
-          <p:nvPr>
-            <p:ph idx="1"/>
-          </p:nvPr>
-        </p:nvSpPr>
-        <p:spPr/>
-        <p:txBody>
-          <a:bodyPr/>
-          <a:lstStyle/>
-          <a:p>
-            <a:endParaRPr lang="bg-BG"/>
-          </a:p>
-        </p:txBody>
-      </p:sp>
-      <p:sp>
-        <p:nvSpPr>
           <p:cNvPr id="4" name="Text Placeholder 3"/>
           <p:cNvSpPr>
             <a:spLocks noGrp="1"/>
@@ -25982,16 +25878,16 @@
               <a:t>Създаване на </a:t>
             </a:r>
             <a:r>
-              <a:rPr lang="en-US" dirty="0" err="1" smtClean="0"/>
-              <a:t>Mysql</a:t>
-            </a:r>
-            <a:r>
-              <a:rPr lang="en-US" dirty="0" smtClean="0"/>
-              <a:t> </a:t>
+              <a:rPr lang="en-US" dirty="0"/>
+              <a:t>MySQL </a:t>
             </a:r>
             <a:r>
               <a:rPr lang="bg-BG" dirty="0" smtClean="0"/>
-              <a:t>контекст използвайки моделите от </a:t>
+              <a:t>контекст </a:t>
+            </a:r>
+            <a:r>
+              <a:rPr lang="bg-BG" dirty="0" smtClean="0"/>
+              <a:t>използвайки моделите от </a:t>
             </a:r>
             <a:r>
               <a:rPr lang="en-US" dirty="0" smtClean="0"/>
@@ -26008,16 +25904,16 @@
               <a:t>Използване на </a:t>
             </a:r>
             <a:r>
-              <a:rPr lang="en-US" dirty="0" err="1" smtClean="0"/>
-              <a:t>Mysql</a:t>
-            </a:r>
-            <a:r>
-              <a:rPr lang="en-US" dirty="0" smtClean="0"/>
-              <a:t> </a:t>
+              <a:rPr lang="en-US" dirty="0"/>
+              <a:t>MySQL </a:t>
             </a:r>
             <a:r>
               <a:rPr lang="bg-BG" dirty="0" smtClean="0"/>
-              <a:t>контекста и </a:t>
+              <a:t>контекста </a:t>
+            </a:r>
+            <a:r>
+              <a:rPr lang="bg-BG" dirty="0" smtClean="0"/>
+              <a:t>и </a:t>
             </a:r>
             <a:r>
               <a:rPr lang="en-US" dirty="0" smtClean="0"/>
@@ -26045,16 +25941,16 @@
               <a:t>към </a:t>
             </a:r>
             <a:r>
-              <a:rPr lang="en-US" dirty="0" err="1" smtClean="0"/>
-              <a:t>Mysql</a:t>
-            </a:r>
-            <a:r>
               <a:rPr lang="en-US" dirty="0" smtClean="0"/>
-              <a:t> </a:t>
+              <a:t>MySQL </a:t>
             </a:r>
             <a:r>
               <a:rPr lang="bg-BG" dirty="0" smtClean="0"/>
-              <a:t>база данни </a:t>
+              <a:t>база </a:t>
+            </a:r>
+            <a:r>
+              <a:rPr lang="bg-BG" dirty="0" smtClean="0"/>
+              <a:t>данни </a:t>
             </a:r>
           </a:p>
           <a:p>
@@ -26393,7 +26289,7 @@
         </p:nvSpPr>
         <p:spPr>
           <a:xfrm>
-            <a:off x="1009442" y="160338"/>
+            <a:off x="970127" y="160337"/>
             <a:ext cx="2660650" cy="742480"/>
           </a:xfrm>
         </p:spPr>
@@ -26406,25 +26302,6 @@
               <a:t>Задача 8</a:t>
             </a:r>
             <a:endParaRPr lang="bg-BG" dirty="0"/>
-          </a:p>
-        </p:txBody>
-      </p:sp>
-      <p:sp>
-        <p:nvSpPr>
-          <p:cNvPr id="3" name="Content Placeholder 2"/>
-          <p:cNvSpPr>
-            <a:spLocks noGrp="1"/>
-          </p:cNvSpPr>
-          <p:nvPr>
-            <p:ph idx="1"/>
-          </p:nvPr>
-        </p:nvSpPr>
-        <p:spPr/>
-        <p:txBody>
-          <a:bodyPr/>
-          <a:lstStyle/>
-          <a:p>
-            <a:endParaRPr lang="bg-BG"/>
           </a:p>
         </p:txBody>
       </p:sp>
@@ -26458,16 +26335,16 @@
               <a:t>Създаване на схема на </a:t>
             </a:r>
             <a:r>
-              <a:rPr lang="en-US" sz="1400" dirty="0" err="1" smtClean="0"/>
-              <a:t>Sqlite</a:t>
-            </a:r>
-            <a:r>
               <a:rPr lang="en-US" sz="1400" dirty="0" smtClean="0"/>
-              <a:t> </a:t>
+              <a:t>SQLite </a:t>
             </a:r>
             <a:r>
               <a:rPr lang="bg-BG" sz="1400" dirty="0" smtClean="0"/>
-              <a:t>база данни </a:t>
+              <a:t>база </a:t>
+            </a:r>
+            <a:r>
+              <a:rPr lang="bg-BG" sz="1400" dirty="0" smtClean="0"/>
+              <a:t>данни </a:t>
             </a:r>
           </a:p>
           <a:p>
@@ -26479,16 +26356,16 @@
               <a:t>Вкарване на данни в </a:t>
             </a:r>
             <a:r>
-              <a:rPr lang="en-US" sz="1400" dirty="0" err="1" smtClean="0"/>
-              <a:t>sqlite</a:t>
-            </a:r>
-            <a:r>
-              <a:rPr lang="en-US" sz="1400" dirty="0" smtClean="0"/>
-              <a:t> </a:t>
+              <a:rPr lang="en-US" sz="1400" dirty="0"/>
+              <a:t>SQLite </a:t>
             </a:r>
             <a:r>
               <a:rPr lang="bg-BG" sz="1400" dirty="0" smtClean="0"/>
-              <a:t>таблицата съдържаща информация за таксите на продукти </a:t>
+              <a:t>таблицата </a:t>
+            </a:r>
+            <a:r>
+              <a:rPr lang="bg-BG" sz="1400" dirty="0" smtClean="0"/>
+              <a:t>съдържаща информация за таксите на продукти </a:t>
             </a:r>
           </a:p>
           <a:p>
@@ -26497,16 +26374,16 @@
               <a:t>Създаване на контекст  към </a:t>
             </a:r>
             <a:r>
-              <a:rPr lang="en-US" sz="1400" dirty="0" err="1" smtClean="0"/>
-              <a:t>Sqlite</a:t>
-            </a:r>
-            <a:r>
-              <a:rPr lang="en-US" sz="1400" dirty="0" smtClean="0"/>
-              <a:t> </a:t>
+              <a:rPr lang="en-US" sz="1400" dirty="0"/>
+              <a:t>SQLite </a:t>
             </a:r>
             <a:r>
               <a:rPr lang="bg-BG" sz="1400" dirty="0" smtClean="0"/>
-              <a:t>база данни </a:t>
+              <a:t>база </a:t>
+            </a:r>
+            <a:r>
+              <a:rPr lang="bg-BG" sz="1400" dirty="0" smtClean="0"/>
+              <a:t>данни </a:t>
             </a:r>
           </a:p>
           <a:p>
@@ -26518,16 +26395,16 @@
               <a:t>Прочитане на данните от </a:t>
             </a:r>
             <a:r>
-              <a:rPr lang="en-US" sz="1400" dirty="0" err="1" smtClean="0"/>
-              <a:t>Sqlite</a:t>
-            </a:r>
-            <a:r>
-              <a:rPr lang="en-US" sz="1400" dirty="0" smtClean="0"/>
-              <a:t> </a:t>
+              <a:rPr lang="en-US" sz="1400" dirty="0"/>
+              <a:t>SQLite </a:t>
             </a:r>
             <a:r>
               <a:rPr lang="bg-BG" sz="1400" dirty="0" smtClean="0"/>
-              <a:t>базата данни и създаване на </a:t>
+              <a:t>базата </a:t>
+            </a:r>
+            <a:r>
+              <a:rPr lang="bg-BG" sz="1400" dirty="0" smtClean="0"/>
+              <a:t>данни и създаване на </a:t>
             </a:r>
             <a:r>
               <a:rPr lang="en-US" sz="1400" dirty="0" smtClean="0"/>
@@ -26547,16 +26424,16 @@
               <a:t>Обхождане на данните  в </a:t>
             </a:r>
             <a:r>
-              <a:rPr lang="en-US" sz="1400" dirty="0" err="1" smtClean="0"/>
-              <a:t>Mysql</a:t>
-            </a:r>
-            <a:r>
-              <a:rPr lang="bg-BG" sz="1400" dirty="0"/>
-              <a:t> </a:t>
+              <a:rPr lang="en-US" sz="1400" dirty="0" smtClean="0"/>
+              <a:t>MySQL </a:t>
             </a:r>
             <a:r>
               <a:rPr lang="bg-BG" sz="1400" dirty="0" smtClean="0"/>
-              <a:t>и на таксите създаване на клас с финансов репорт на всеки вендор</a:t>
+              <a:t>и </a:t>
+            </a:r>
+            <a:r>
+              <a:rPr lang="bg-BG" sz="1400" dirty="0" smtClean="0"/>
+              <a:t>на таксите създаване на клас с финансов репорт на всеки вендор</a:t>
             </a:r>
           </a:p>
           <a:p>
@@ -26674,7 +26551,7 @@
         </p:blipFill>
         <p:spPr bwMode="auto">
           <a:xfrm>
-            <a:off x="4108932" y="356756"/>
+            <a:off x="4464592" y="1002111"/>
             <a:ext cx="1092121" cy="1092122"/>
           </a:xfrm>
           <a:prstGeom prst="rect">
@@ -26715,7 +26592,7 @@
         </p:blipFill>
         <p:spPr bwMode="auto">
           <a:xfrm>
-            <a:off x="6332022" y="764704"/>
+            <a:off x="7164288" y="936954"/>
             <a:ext cx="1656184" cy="1656184"/>
           </a:xfrm>
           <a:prstGeom prst="rect">
@@ -26756,7 +26633,7 @@
         </p:blipFill>
         <p:spPr bwMode="auto">
           <a:xfrm rot="21020904">
-            <a:off x="5077250" y="3054984"/>
+            <a:off x="5323770" y="2673769"/>
             <a:ext cx="2230058" cy="1424270"/>
           </a:xfrm>
           <a:prstGeom prst="rect">
@@ -26797,7 +26674,7 @@
         </p:blipFill>
         <p:spPr bwMode="auto">
           <a:xfrm>
-            <a:off x="5639656" y="4996881"/>
+            <a:off x="5839336" y="4818056"/>
             <a:ext cx="1523525" cy="1523525"/>
           </a:xfrm>
           <a:prstGeom prst="rect">
@@ -26838,7 +26715,7 @@
         </p:blipFill>
         <p:spPr bwMode="auto">
           <a:xfrm>
-            <a:off x="5508104" y="764703"/>
+            <a:off x="5983352" y="1269577"/>
             <a:ext cx="684175" cy="684175"/>
           </a:xfrm>
           <a:prstGeom prst="rect">
